--- a/doc/task7/red_task7.pptx
+++ b/doc/task7/red_task7.pptx
@@ -260,7 +260,7 @@
           <a:p>
             <a:fld id="{EFA0D184-D464-48E9-9CA0-A94E873F6C2C}" type="datetimeFigureOut">
               <a:rPr lang="de-CH" smtClean="0"/>
-              <a:t>17.11.2016</a:t>
+              <a:t>18.11.2016</a:t>
             </a:fld>
             <a:endParaRPr lang="de-CH"/>
           </a:p>
@@ -425,7 +425,7 @@
           <a:p>
             <a:fld id="{5AF2B663-2BA9-4D7E-8201-5DE4109E1EDD}" type="datetimeFigureOut">
               <a:rPr lang="de-CH" smtClean="0"/>
-              <a:t>17.11.2016</a:t>
+              <a:t>18.11.2016</a:t>
             </a:fld>
             <a:endParaRPr lang="de-CH"/>
           </a:p>
@@ -489,35 +489,35 @@
           <a:p>
             <a:pPr lvl="0"/>
             <a:r>
-              <a:rPr lang="de-DE" smtClean="0"/>
+              <a:rPr lang="de-DE"/>
               <a:t>Textmasterformat bearbeiten</a:t>
             </a:r>
           </a:p>
           <a:p>
             <a:pPr lvl="1"/>
             <a:r>
-              <a:rPr lang="de-DE" smtClean="0"/>
+              <a:rPr lang="de-DE"/>
               <a:t>Zweite Ebene</a:t>
             </a:r>
           </a:p>
           <a:p>
             <a:pPr lvl="2"/>
             <a:r>
-              <a:rPr lang="de-DE" smtClean="0"/>
+              <a:rPr lang="de-DE"/>
               <a:t>Dritte Ebene</a:t>
             </a:r>
           </a:p>
           <a:p>
             <a:pPr lvl="3"/>
             <a:r>
-              <a:rPr lang="de-DE" smtClean="0"/>
+              <a:rPr lang="de-DE"/>
               <a:t>Vierte Ebene</a:t>
             </a:r>
           </a:p>
           <a:p>
             <a:pPr lvl="4"/>
             <a:r>
-              <a:rPr lang="de-DE" smtClean="0"/>
+              <a:rPr lang="de-DE"/>
               <a:t>Fünfte Ebene</a:t>
             </a:r>
             <a:endParaRPr lang="de-CH"/>
@@ -971,35 +971,26 @@
           <a:p>
             <a:pPr lvl="0"/>
             <a:r>
-              <a:rPr lang="de-DE" noProof="0" dirty="0" smtClean="0"/>
+              <a:rPr lang="de-DE" noProof="0" dirty="0"/>
               <a:t>Titelseite mit Bild </a:t>
             </a:r>
             <a:br>
-              <a:rPr lang="de-DE" noProof="0" dirty="0" smtClean="0"/>
+              <a:rPr lang="de-DE" noProof="0" dirty="0"/>
             </a:br>
-            <a:r>
-              <a:rPr lang="de-DE" noProof="0" dirty="0" smtClean="0"/>
-              <a:t/>
-            </a:r>
             <a:br>
-              <a:rPr lang="de-DE" noProof="0" dirty="0" smtClean="0"/>
+              <a:rPr lang="de-DE" noProof="0" dirty="0"/>
             </a:br>
-            <a:r>
-              <a:rPr lang="de-DE" noProof="0" dirty="0" smtClean="0"/>
-              <a:t/>
-            </a:r>
             <a:br>
-              <a:rPr lang="de-DE" noProof="0" dirty="0" smtClean="0"/>
+              <a:rPr lang="de-DE" noProof="0" dirty="0"/>
             </a:br>
             <a:r>
-              <a:rPr lang="de-DE" noProof="0" dirty="0" err="1" smtClean="0"/>
+              <a:rPr lang="de-DE" noProof="0" dirty="0" err="1"/>
               <a:t>Bild</a:t>
             </a:r>
             <a:r>
-              <a:rPr lang="de-DE" noProof="0" dirty="0" smtClean="0"/>
+              <a:rPr lang="de-DE" noProof="0" dirty="0"/>
               <a:t> durch Klicken auf Symbol hinzufügen</a:t>
             </a:r>
-            <a:endParaRPr lang="de-DE" noProof="0" dirty="0"/>
           </a:p>
         </p:txBody>
       </p:sp>
@@ -1037,7 +1028,7 @@
           </a:lstStyle>
           <a:p>
             <a:r>
-              <a:rPr lang="de-DE" smtClean="0"/>
+              <a:rPr lang="de-DE"/>
               <a:t>Titelmasterformat durch Klicken bearbeiten</a:t>
             </a:r>
             <a:endParaRPr lang="de-DE" dirty="0"/>
@@ -1159,7 +1150,7 @@
           </a:lstStyle>
           <a:p>
             <a:r>
-              <a:rPr lang="de-DE" smtClean="0"/>
+              <a:rPr lang="de-DE"/>
               <a:t>Formatvorlage des Untertitelmasters durch Klicken bearbeiten</a:t>
             </a:r>
             <a:endParaRPr lang="de-DE" dirty="0"/>
@@ -1277,7 +1268,7 @@
           <a:p>
             <a:pPr lvl="0"/>
             <a:r>
-              <a:rPr lang="de-DE" dirty="0" smtClean="0"/>
+              <a:rPr lang="de-DE" dirty="0"/>
               <a:t>Organisationseinheit oder Leistungsbereich</a:t>
             </a:r>
           </a:p>
@@ -1390,10 +1381,9 @@
           </a:lstStyle>
           <a:p>
             <a:r>
-              <a:rPr lang="de-DE" dirty="0" smtClean="0"/>
+              <a:rPr lang="de-DE" dirty="0"/>
               <a:t>Titel durch Klicken hinzufügen</a:t>
             </a:r>
-            <a:endParaRPr lang="de-DE" dirty="0"/>
           </a:p>
         </p:txBody>
       </p:sp>
@@ -1495,35 +1485,35 @@
           <a:p>
             <a:pPr lvl="0"/>
             <a:r>
-              <a:rPr lang="de-DE" smtClean="0"/>
+              <a:rPr lang="de-DE"/>
               <a:t>Textmasterformat bearbeiten</a:t>
             </a:r>
           </a:p>
           <a:p>
             <a:pPr lvl="1"/>
             <a:r>
-              <a:rPr lang="de-DE" smtClean="0"/>
+              <a:rPr lang="de-DE"/>
               <a:t>Zweite Ebene</a:t>
             </a:r>
           </a:p>
           <a:p>
             <a:pPr lvl="2"/>
             <a:r>
-              <a:rPr lang="de-DE" smtClean="0"/>
+              <a:rPr lang="de-DE"/>
               <a:t>Dritte Ebene</a:t>
             </a:r>
           </a:p>
           <a:p>
             <a:pPr lvl="3"/>
             <a:r>
-              <a:rPr lang="de-DE" smtClean="0"/>
+              <a:rPr lang="de-DE"/>
               <a:t>Vierte Ebene</a:t>
             </a:r>
           </a:p>
           <a:p>
             <a:pPr lvl="4"/>
             <a:r>
-              <a:rPr lang="de-DE" smtClean="0"/>
+              <a:rPr lang="de-DE"/>
               <a:t>Fünfte Ebene</a:t>
             </a:r>
             <a:endParaRPr lang="de-DE" dirty="0"/>
@@ -1628,35 +1618,35 @@
           <a:p>
             <a:pPr lvl="0"/>
             <a:r>
-              <a:rPr lang="de-DE" smtClean="0"/>
+              <a:rPr lang="de-DE"/>
               <a:t>Textmasterformat bearbeiten</a:t>
             </a:r>
           </a:p>
           <a:p>
             <a:pPr lvl="1"/>
             <a:r>
-              <a:rPr lang="de-DE" smtClean="0"/>
+              <a:rPr lang="de-DE"/>
               <a:t>Zweite Ebene</a:t>
             </a:r>
           </a:p>
           <a:p>
             <a:pPr lvl="2"/>
             <a:r>
-              <a:rPr lang="de-DE" smtClean="0"/>
+              <a:rPr lang="de-DE"/>
               <a:t>Dritte Ebene</a:t>
             </a:r>
           </a:p>
           <a:p>
             <a:pPr lvl="3"/>
             <a:r>
-              <a:rPr lang="de-DE" smtClean="0"/>
+              <a:rPr lang="de-DE"/>
               <a:t>Vierte Ebene</a:t>
             </a:r>
           </a:p>
           <a:p>
             <a:pPr lvl="4"/>
             <a:r>
-              <a:rPr lang="de-DE" smtClean="0"/>
+              <a:rPr lang="de-DE"/>
               <a:t>Fünfte Ebene</a:t>
             </a:r>
             <a:endParaRPr lang="de-DE" dirty="0"/>
@@ -1761,35 +1751,35 @@
           <a:p>
             <a:pPr lvl="0"/>
             <a:r>
-              <a:rPr lang="de-DE" smtClean="0"/>
+              <a:rPr lang="de-DE"/>
               <a:t>Textmasterformat bearbeiten</a:t>
             </a:r>
           </a:p>
           <a:p>
             <a:pPr lvl="1"/>
             <a:r>
-              <a:rPr lang="de-DE" smtClean="0"/>
+              <a:rPr lang="de-DE"/>
               <a:t>Zweite Ebene</a:t>
             </a:r>
           </a:p>
           <a:p>
             <a:pPr lvl="2"/>
             <a:r>
-              <a:rPr lang="de-DE" smtClean="0"/>
+              <a:rPr lang="de-DE"/>
               <a:t>Dritte Ebene</a:t>
             </a:r>
           </a:p>
           <a:p>
             <a:pPr lvl="3"/>
             <a:r>
-              <a:rPr lang="de-DE" smtClean="0"/>
+              <a:rPr lang="de-DE"/>
               <a:t>Vierte Ebene</a:t>
             </a:r>
           </a:p>
           <a:p>
             <a:pPr lvl="4"/>
             <a:r>
-              <a:rPr lang="de-DE" smtClean="0"/>
+              <a:rPr lang="de-DE"/>
               <a:t>Fünfte Ebene</a:t>
             </a:r>
             <a:endParaRPr lang="de-DE" dirty="0"/>
@@ -1864,7 +1854,7 @@
           <a:p>
             <a:pPr lvl="0"/>
             <a:r>
-              <a:rPr lang="de-DE" dirty="0" smtClean="0"/>
+              <a:rPr lang="de-DE" dirty="0"/>
               <a:t>Untertitel durch Klicken hinzufügen</a:t>
             </a:r>
           </a:p>
@@ -1938,7 +1928,7 @@
           <a:p>
             <a:pPr lvl="0"/>
             <a:r>
-              <a:rPr lang="de-DE" dirty="0" smtClean="0"/>
+              <a:rPr lang="de-DE" dirty="0"/>
               <a:t>Untertitel durch Klicken hinzufügen</a:t>
             </a:r>
           </a:p>
@@ -2012,7 +2002,7 @@
           <a:p>
             <a:pPr lvl="0"/>
             <a:r>
-              <a:rPr lang="de-DE" dirty="0" smtClean="0"/>
+              <a:rPr lang="de-DE" dirty="0"/>
               <a:t>Untertitel durch Klicken hinzufügen</a:t>
             </a:r>
           </a:p>
@@ -2447,10 +2437,9 @@
           </a:lstStyle>
           <a:p>
             <a:r>
-              <a:rPr lang="de-DE" dirty="0" smtClean="0"/>
+              <a:rPr lang="de-DE" dirty="0"/>
               <a:t>Titelseite ohne Bild</a:t>
             </a:r>
-            <a:endParaRPr lang="de-DE" dirty="0"/>
           </a:p>
         </p:txBody>
       </p:sp>
@@ -2569,7 +2558,7 @@
           </a:lstStyle>
           <a:p>
             <a:r>
-              <a:rPr lang="de-DE" smtClean="0"/>
+              <a:rPr lang="de-DE"/>
               <a:t>Formatvorlage des Untertitelmasters durch Klicken bearbeiten</a:t>
             </a:r>
             <a:endParaRPr lang="de-DE" dirty="0"/>
@@ -2687,7 +2676,7 @@
           <a:p>
             <a:pPr lvl="0"/>
             <a:r>
-              <a:rPr lang="de-DE" dirty="0" smtClean="0"/>
+              <a:rPr lang="de-DE" dirty="0"/>
               <a:t>Organisationseinheit oder Leistungsbereich</a:t>
             </a:r>
           </a:p>
@@ -2973,10 +2962,9 @@
           </a:lstStyle>
           <a:p>
             <a:r>
-              <a:rPr lang="de-DE" dirty="0" smtClean="0"/>
+              <a:rPr lang="de-DE" dirty="0"/>
               <a:t>Kapiteltrennseite grau</a:t>
             </a:r>
-            <a:endParaRPr lang="de-DE" dirty="0"/>
           </a:p>
         </p:txBody>
       </p:sp>
@@ -3095,7 +3083,7 @@
           </a:lstStyle>
           <a:p>
             <a:r>
-              <a:rPr lang="de-DE" smtClean="0"/>
+              <a:rPr lang="de-DE"/>
               <a:t>Formatvorlage des Untertitelmasters durch Klicken bearbeiten</a:t>
             </a:r>
             <a:endParaRPr lang="de-DE" dirty="0"/>
@@ -3362,10 +3350,9 @@
           </a:lstStyle>
           <a:p>
             <a:r>
-              <a:rPr lang="de-DE" dirty="0" smtClean="0"/>
+              <a:rPr lang="de-DE" dirty="0"/>
               <a:t>Kapiteltrennseite orange</a:t>
             </a:r>
-            <a:endParaRPr lang="de-DE" dirty="0"/>
           </a:p>
         </p:txBody>
       </p:sp>
@@ -3484,7 +3471,7 @@
           </a:lstStyle>
           <a:p>
             <a:r>
-              <a:rPr lang="de-DE" smtClean="0"/>
+              <a:rPr lang="de-DE"/>
               <a:t>Formatvorlage des Untertitelmasters durch Klicken bearbeiten</a:t>
             </a:r>
             <a:endParaRPr lang="de-DE" dirty="0"/>
@@ -3642,35 +3629,35 @@
           <a:p>
             <a:pPr lvl="0"/>
             <a:r>
-              <a:rPr lang="de-DE" smtClean="0"/>
+              <a:rPr lang="de-DE"/>
               <a:t>Textmasterformat bearbeiten</a:t>
             </a:r>
           </a:p>
           <a:p>
             <a:pPr lvl="1"/>
             <a:r>
-              <a:rPr lang="de-DE" smtClean="0"/>
+              <a:rPr lang="de-DE"/>
               <a:t>Zweite Ebene</a:t>
             </a:r>
           </a:p>
           <a:p>
             <a:pPr lvl="2"/>
             <a:r>
-              <a:rPr lang="de-DE" smtClean="0"/>
+              <a:rPr lang="de-DE"/>
               <a:t>Dritte Ebene</a:t>
             </a:r>
           </a:p>
           <a:p>
             <a:pPr lvl="3"/>
             <a:r>
-              <a:rPr lang="de-DE" smtClean="0"/>
+              <a:rPr lang="de-DE"/>
               <a:t>Vierte Ebene</a:t>
             </a:r>
           </a:p>
           <a:p>
             <a:pPr lvl="4"/>
             <a:r>
-              <a:rPr lang="de-DE" smtClean="0"/>
+              <a:rPr lang="de-DE"/>
               <a:t>Fünfte Ebene</a:t>
             </a:r>
             <a:endParaRPr lang="de-DE" dirty="0"/>
@@ -3711,10 +3698,9 @@
           </a:lstStyle>
           <a:p>
             <a:r>
-              <a:rPr lang="de-DE" dirty="0" smtClean="0"/>
+              <a:rPr lang="de-DE" dirty="0"/>
               <a:t>Titel durch Klicken hinzufügen</a:t>
             </a:r>
-            <a:endParaRPr lang="de-DE" dirty="0"/>
           </a:p>
         </p:txBody>
       </p:sp>
@@ -3805,10 +3791,9 @@
           </a:lstStyle>
           <a:p>
             <a:r>
-              <a:rPr lang="de-DE" dirty="0" smtClean="0"/>
+              <a:rPr lang="de-DE" dirty="0"/>
               <a:t>Titel durch Klicken hinzufügen</a:t>
             </a:r>
-            <a:endParaRPr lang="de-DE" dirty="0"/>
           </a:p>
         </p:txBody>
       </p:sp>
@@ -3880,7 +3865,7 @@
           <a:p>
             <a:pPr lvl="0"/>
             <a:r>
-              <a:rPr lang="de-DE" dirty="0" smtClean="0"/>
+              <a:rPr lang="de-DE" dirty="0"/>
               <a:t>Untertitel durch Klicken hinzufügen </a:t>
             </a:r>
           </a:p>
@@ -3984,35 +3969,35 @@
           <a:p>
             <a:pPr lvl="0"/>
             <a:r>
-              <a:rPr lang="de-DE" smtClean="0"/>
+              <a:rPr lang="de-DE"/>
               <a:t>Textmasterformat bearbeiten</a:t>
             </a:r>
           </a:p>
           <a:p>
             <a:pPr lvl="1"/>
             <a:r>
-              <a:rPr lang="de-DE" smtClean="0"/>
+              <a:rPr lang="de-DE"/>
               <a:t>Zweite Ebene</a:t>
             </a:r>
           </a:p>
           <a:p>
             <a:pPr lvl="2"/>
             <a:r>
-              <a:rPr lang="de-DE" smtClean="0"/>
+              <a:rPr lang="de-DE"/>
               <a:t>Dritte Ebene</a:t>
             </a:r>
           </a:p>
           <a:p>
             <a:pPr lvl="3"/>
             <a:r>
-              <a:rPr lang="de-DE" smtClean="0"/>
+              <a:rPr lang="de-DE"/>
               <a:t>Vierte Ebene</a:t>
             </a:r>
           </a:p>
           <a:p>
             <a:pPr lvl="4"/>
             <a:r>
-              <a:rPr lang="de-DE" smtClean="0"/>
+              <a:rPr lang="de-DE"/>
               <a:t>Fünfte Ebene</a:t>
             </a:r>
             <a:endParaRPr lang="de-DE" dirty="0"/>
@@ -4106,10 +4091,9 @@
           </a:lstStyle>
           <a:p>
             <a:r>
-              <a:rPr lang="de-DE" dirty="0" smtClean="0"/>
+              <a:rPr lang="de-DE" dirty="0"/>
               <a:t>Titel durch Klicken hinzufügen</a:t>
             </a:r>
-            <a:endParaRPr lang="de-DE" dirty="0"/>
           </a:p>
         </p:txBody>
       </p:sp>
@@ -4181,7 +4165,7 @@
           <a:p>
             <a:pPr lvl="0"/>
             <a:r>
-              <a:rPr lang="de-DE" smtClean="0"/>
+              <a:rPr lang="de-DE"/>
               <a:t>Textmasterformat bearbeiten</a:t>
             </a:r>
           </a:p>
@@ -4255,7 +4239,7 @@
           <a:p>
             <a:pPr lvl="0"/>
             <a:r>
-              <a:rPr lang="de-DE" smtClean="0"/>
+              <a:rPr lang="de-DE"/>
               <a:t>Textmasterformat bearbeiten</a:t>
             </a:r>
           </a:p>
@@ -4359,35 +4343,35 @@
           <a:p>
             <a:pPr lvl="0"/>
             <a:r>
-              <a:rPr lang="de-DE" smtClean="0"/>
+              <a:rPr lang="de-DE"/>
               <a:t>Textmasterformat bearbeiten</a:t>
             </a:r>
           </a:p>
           <a:p>
             <a:pPr lvl="1"/>
             <a:r>
-              <a:rPr lang="de-DE" smtClean="0"/>
+              <a:rPr lang="de-DE"/>
               <a:t>Zweite Ebene</a:t>
             </a:r>
           </a:p>
           <a:p>
             <a:pPr lvl="2"/>
             <a:r>
-              <a:rPr lang="de-DE" smtClean="0"/>
+              <a:rPr lang="de-DE"/>
               <a:t>Dritte Ebene</a:t>
             </a:r>
           </a:p>
           <a:p>
             <a:pPr lvl="3"/>
             <a:r>
-              <a:rPr lang="de-DE" smtClean="0"/>
+              <a:rPr lang="de-DE"/>
               <a:t>Vierte Ebene</a:t>
             </a:r>
           </a:p>
           <a:p>
             <a:pPr lvl="4"/>
             <a:r>
-              <a:rPr lang="de-DE" smtClean="0"/>
+              <a:rPr lang="de-DE"/>
               <a:t>Fünfte Ebene</a:t>
             </a:r>
             <a:endParaRPr lang="de-DE" dirty="0"/>
@@ -4507,35 +4491,35 @@
           <a:p>
             <a:pPr lvl="0"/>
             <a:r>
-              <a:rPr lang="de-DE" smtClean="0"/>
+              <a:rPr lang="de-DE"/>
               <a:t>Textmasterformat bearbeiten</a:t>
             </a:r>
           </a:p>
           <a:p>
             <a:pPr lvl="1"/>
             <a:r>
-              <a:rPr lang="de-DE" smtClean="0"/>
+              <a:rPr lang="de-DE"/>
               <a:t>Zweite Ebene</a:t>
             </a:r>
           </a:p>
           <a:p>
             <a:pPr lvl="2"/>
             <a:r>
-              <a:rPr lang="de-DE" smtClean="0"/>
+              <a:rPr lang="de-DE"/>
               <a:t>Dritte Ebene</a:t>
             </a:r>
           </a:p>
           <a:p>
             <a:pPr lvl="3"/>
             <a:r>
-              <a:rPr lang="de-DE" smtClean="0"/>
+              <a:rPr lang="de-DE"/>
               <a:t>Vierte Ebene</a:t>
             </a:r>
           </a:p>
           <a:p>
             <a:pPr lvl="4"/>
             <a:r>
-              <a:rPr lang="de-DE" smtClean="0"/>
+              <a:rPr lang="de-DE"/>
               <a:t>Fünfte Ebene</a:t>
             </a:r>
             <a:endParaRPr lang="de-DE" dirty="0"/>
@@ -4629,10 +4613,9 @@
           </a:lstStyle>
           <a:p>
             <a:r>
-              <a:rPr lang="de-DE" dirty="0" smtClean="0"/>
+              <a:rPr lang="de-DE" dirty="0"/>
               <a:t>Titel durch Klicken hinzufügen</a:t>
             </a:r>
-            <a:endParaRPr lang="de-DE" dirty="0"/>
           </a:p>
         </p:txBody>
       </p:sp>
@@ -4704,7 +4687,7 @@
           <a:p>
             <a:pPr lvl="0"/>
             <a:r>
-              <a:rPr lang="de-DE" dirty="0" smtClean="0"/>
+              <a:rPr lang="de-DE" dirty="0"/>
               <a:t>Untertitel durch Klicken hinzufügen</a:t>
             </a:r>
           </a:p>
@@ -4808,35 +4791,35 @@
           <a:p>
             <a:pPr lvl="0"/>
             <a:r>
-              <a:rPr lang="de-DE" smtClean="0"/>
+              <a:rPr lang="de-DE"/>
               <a:t>Textmasterformat bearbeiten</a:t>
             </a:r>
           </a:p>
           <a:p>
             <a:pPr lvl="1"/>
             <a:r>
-              <a:rPr lang="de-DE" smtClean="0"/>
+              <a:rPr lang="de-DE"/>
               <a:t>Zweite Ebene</a:t>
             </a:r>
           </a:p>
           <a:p>
             <a:pPr lvl="2"/>
             <a:r>
-              <a:rPr lang="de-DE" smtClean="0"/>
+              <a:rPr lang="de-DE"/>
               <a:t>Dritte Ebene</a:t>
             </a:r>
           </a:p>
           <a:p>
             <a:pPr lvl="3"/>
             <a:r>
-              <a:rPr lang="de-DE" smtClean="0"/>
+              <a:rPr lang="de-DE"/>
               <a:t>Vierte Ebene</a:t>
             </a:r>
           </a:p>
           <a:p>
             <a:pPr lvl="4"/>
             <a:r>
-              <a:rPr lang="de-DE" smtClean="0"/>
+              <a:rPr lang="de-DE"/>
               <a:t>Fünfte Ebene</a:t>
             </a:r>
             <a:endParaRPr lang="de-DE" dirty="0"/>
@@ -4911,7 +4894,7 @@
           <a:p>
             <a:pPr lvl="0"/>
             <a:r>
-              <a:rPr lang="de-DE" dirty="0" smtClean="0"/>
+              <a:rPr lang="de-DE" dirty="0"/>
               <a:t>Untertitel durch Klicken hinzufügen</a:t>
             </a:r>
           </a:p>
@@ -5030,35 +5013,35 @@
           <a:p>
             <a:pPr lvl="0"/>
             <a:r>
-              <a:rPr lang="de-DE" smtClean="0"/>
+              <a:rPr lang="de-DE"/>
               <a:t>Textmasterformat bearbeiten</a:t>
             </a:r>
           </a:p>
           <a:p>
             <a:pPr lvl="1"/>
             <a:r>
-              <a:rPr lang="de-DE" smtClean="0"/>
+              <a:rPr lang="de-DE"/>
               <a:t>Zweite Ebene</a:t>
             </a:r>
           </a:p>
           <a:p>
             <a:pPr lvl="2"/>
             <a:r>
-              <a:rPr lang="de-DE" smtClean="0"/>
+              <a:rPr lang="de-DE"/>
               <a:t>Dritte Ebene</a:t>
             </a:r>
           </a:p>
           <a:p>
             <a:pPr lvl="3"/>
             <a:r>
-              <a:rPr lang="de-DE" smtClean="0"/>
+              <a:rPr lang="de-DE"/>
               <a:t>Vierte Ebene</a:t>
             </a:r>
           </a:p>
           <a:p>
             <a:pPr lvl="4"/>
             <a:r>
-              <a:rPr lang="de-DE" smtClean="0"/>
+              <a:rPr lang="de-DE"/>
               <a:t>Fünfte Ebene</a:t>
             </a:r>
             <a:endParaRPr lang="de-DE" dirty="0"/>
@@ -5152,10 +5135,9 @@
           </a:lstStyle>
           <a:p>
             <a:r>
-              <a:rPr lang="de-DE" dirty="0" smtClean="0"/>
+              <a:rPr lang="de-DE" dirty="0"/>
               <a:t>Titel durch Klicken hinzufügen</a:t>
             </a:r>
-            <a:endParaRPr lang="de-DE" dirty="0"/>
           </a:p>
         </p:txBody>
       </p:sp>
@@ -5227,7 +5209,7 @@
           <a:p>
             <a:pPr lvl="0"/>
             <a:r>
-              <a:rPr lang="de-DE" smtClean="0"/>
+              <a:rPr lang="de-DE"/>
               <a:t>Textmasterformat bearbeiten</a:t>
             </a:r>
           </a:p>
@@ -5301,7 +5283,7 @@
           <a:p>
             <a:pPr lvl="0"/>
             <a:r>
-              <a:rPr lang="de-DE" smtClean="0"/>
+              <a:rPr lang="de-DE"/>
               <a:t>Textmasterformat bearbeiten</a:t>
             </a:r>
           </a:p>
@@ -5405,35 +5387,35 @@
           <a:p>
             <a:pPr lvl="0"/>
             <a:r>
-              <a:rPr lang="de-DE" smtClean="0"/>
+              <a:rPr lang="de-DE"/>
               <a:t>Textmasterformat bearbeiten</a:t>
             </a:r>
           </a:p>
           <a:p>
             <a:pPr lvl="1"/>
             <a:r>
-              <a:rPr lang="de-DE" smtClean="0"/>
+              <a:rPr lang="de-DE"/>
               <a:t>Zweite Ebene</a:t>
             </a:r>
           </a:p>
           <a:p>
             <a:pPr lvl="2"/>
             <a:r>
-              <a:rPr lang="de-DE" smtClean="0"/>
+              <a:rPr lang="de-DE"/>
               <a:t>Dritte Ebene</a:t>
             </a:r>
           </a:p>
           <a:p>
             <a:pPr lvl="3"/>
             <a:r>
-              <a:rPr lang="de-DE" smtClean="0"/>
+              <a:rPr lang="de-DE"/>
               <a:t>Vierte Ebene</a:t>
             </a:r>
           </a:p>
           <a:p>
             <a:pPr lvl="4"/>
             <a:r>
-              <a:rPr lang="de-DE" smtClean="0"/>
+              <a:rPr lang="de-DE"/>
               <a:t>Fünfte Ebene</a:t>
             </a:r>
             <a:endParaRPr lang="de-DE" dirty="0"/>
@@ -5538,35 +5520,35 @@
           <a:p>
             <a:pPr lvl="0"/>
             <a:r>
-              <a:rPr lang="de-DE" smtClean="0"/>
+              <a:rPr lang="de-DE"/>
               <a:t>Textmasterformat bearbeiten</a:t>
             </a:r>
           </a:p>
           <a:p>
             <a:pPr lvl="1"/>
             <a:r>
-              <a:rPr lang="de-DE" smtClean="0"/>
+              <a:rPr lang="de-DE"/>
               <a:t>Zweite Ebene</a:t>
             </a:r>
           </a:p>
           <a:p>
             <a:pPr lvl="2"/>
             <a:r>
-              <a:rPr lang="de-DE" smtClean="0"/>
+              <a:rPr lang="de-DE"/>
               <a:t>Dritte Ebene</a:t>
             </a:r>
           </a:p>
           <a:p>
             <a:pPr lvl="3"/>
             <a:r>
-              <a:rPr lang="de-DE" smtClean="0"/>
+              <a:rPr lang="de-DE"/>
               <a:t>Vierte Ebene</a:t>
             </a:r>
           </a:p>
           <a:p>
             <a:pPr lvl="4"/>
             <a:r>
-              <a:rPr lang="de-DE" smtClean="0"/>
+              <a:rPr lang="de-DE"/>
               <a:t>Fünfte Ebene</a:t>
             </a:r>
             <a:endParaRPr lang="de-DE" dirty="0"/>
@@ -5671,35 +5653,35 @@
           <a:p>
             <a:pPr lvl="0"/>
             <a:r>
-              <a:rPr lang="de-DE" smtClean="0"/>
+              <a:rPr lang="de-DE"/>
               <a:t>Textmasterformat bearbeiten</a:t>
             </a:r>
           </a:p>
           <a:p>
             <a:pPr lvl="1"/>
             <a:r>
-              <a:rPr lang="de-DE" smtClean="0"/>
+              <a:rPr lang="de-DE"/>
               <a:t>Zweite Ebene</a:t>
             </a:r>
           </a:p>
           <a:p>
             <a:pPr lvl="2"/>
             <a:r>
-              <a:rPr lang="de-DE" smtClean="0"/>
+              <a:rPr lang="de-DE"/>
               <a:t>Dritte Ebene</a:t>
             </a:r>
           </a:p>
           <a:p>
             <a:pPr lvl="3"/>
             <a:r>
-              <a:rPr lang="de-DE" smtClean="0"/>
+              <a:rPr lang="de-DE"/>
               <a:t>Vierte Ebene</a:t>
             </a:r>
           </a:p>
           <a:p>
             <a:pPr lvl="4"/>
             <a:r>
-              <a:rPr lang="de-DE" smtClean="0"/>
+              <a:rPr lang="de-DE"/>
               <a:t>Fünfte Ebene</a:t>
             </a:r>
             <a:endParaRPr lang="de-DE" dirty="0"/>
@@ -5774,7 +5756,7 @@
           <a:p>
             <a:pPr lvl="0"/>
             <a:r>
-              <a:rPr lang="de-DE" smtClean="0"/>
+              <a:rPr lang="de-DE"/>
               <a:t>Textmasterformat bearbeiten</a:t>
             </a:r>
           </a:p>
@@ -6009,7 +5991,7 @@
               <a:defRPr/>
             </a:pPr>
             <a:r>
-              <a:rPr lang="de-DE" sz="1000" dirty="0" smtClean="0">
+              <a:rPr lang="de-DE" sz="1000" dirty="0">
                 <a:solidFill>
                   <a:srgbClr val="697D91"/>
                 </a:solidFill>
@@ -6018,7 +6000,7 @@
               <a:t>Berner Fachhochschule | Haute </a:t>
             </a:r>
             <a:r>
-              <a:rPr lang="de-DE" sz="1000" dirty="0" err="1" smtClean="0">
+              <a:rPr lang="de-DE" sz="1000" dirty="0" err="1">
                 <a:solidFill>
                   <a:srgbClr val="697D91"/>
                 </a:solidFill>
@@ -6027,7 +6009,7 @@
               <a:t>école</a:t>
             </a:r>
             <a:r>
-              <a:rPr lang="de-DE" sz="1000" dirty="0" smtClean="0">
+              <a:rPr lang="de-DE" sz="1000" dirty="0">
                 <a:solidFill>
                   <a:srgbClr val="697D91"/>
                 </a:solidFill>
@@ -6036,7 +6018,7 @@
               <a:t> </a:t>
             </a:r>
             <a:r>
-              <a:rPr lang="de-DE" sz="1000" dirty="0" err="1" smtClean="0">
+              <a:rPr lang="de-DE" sz="1000" dirty="0" err="1">
                 <a:solidFill>
                   <a:srgbClr val="697D91"/>
                 </a:solidFill>
@@ -6045,7 +6027,7 @@
               <a:t>spécialisée</a:t>
             </a:r>
             <a:r>
-              <a:rPr lang="de-DE" sz="1000" dirty="0" smtClean="0">
+              <a:rPr lang="de-DE" sz="1000" dirty="0">
                 <a:solidFill>
                   <a:srgbClr val="697D91"/>
                 </a:solidFill>
@@ -6054,7 +6036,7 @@
               <a:t> </a:t>
             </a:r>
             <a:r>
-              <a:rPr lang="de-DE" sz="1000" dirty="0" err="1" smtClean="0">
+              <a:rPr lang="de-DE" sz="1000" dirty="0" err="1">
                 <a:solidFill>
                   <a:srgbClr val="697D91"/>
                 </a:solidFill>
@@ -6063,7 +6045,7 @@
               <a:t>bernoise</a:t>
             </a:r>
             <a:r>
-              <a:rPr lang="de-DE" sz="1000" dirty="0" smtClean="0">
+              <a:rPr lang="de-DE" sz="1000" dirty="0">
                 <a:solidFill>
                   <a:srgbClr val="697D91"/>
                 </a:solidFill>
@@ -6072,7 +6054,7 @@
               <a:t> | Bern University </a:t>
             </a:r>
             <a:r>
-              <a:rPr lang="de-DE" sz="1000" dirty="0" err="1" smtClean="0">
+              <a:rPr lang="de-DE" sz="1000" dirty="0" err="1">
                 <a:solidFill>
                   <a:srgbClr val="697D91"/>
                 </a:solidFill>
@@ -6081,7 +6063,7 @@
               <a:t>of</a:t>
             </a:r>
             <a:r>
-              <a:rPr lang="de-DE" sz="1000" dirty="0" smtClean="0">
+              <a:rPr lang="de-DE" sz="1000" dirty="0">
                 <a:solidFill>
                   <a:srgbClr val="697D91"/>
                 </a:solidFill>
@@ -6090,7 +6072,7 @@
               <a:t> Applied </a:t>
             </a:r>
             <a:r>
-              <a:rPr lang="de-DE" sz="1000" dirty="0" err="1" smtClean="0">
+              <a:rPr lang="de-DE" sz="1000" dirty="0" err="1">
                 <a:solidFill>
                   <a:srgbClr val="697D91"/>
                 </a:solidFill>
@@ -6098,7 +6080,7 @@
               </a:rPr>
               <a:t>Sciences</a:t>
             </a:r>
-            <a:endParaRPr lang="de-DE" sz="1000" dirty="0" smtClean="0">
+            <a:endParaRPr lang="de-DE" sz="1000" dirty="0">
               <a:solidFill>
                 <a:srgbClr val="697D91"/>
               </a:solidFill>
@@ -6217,13 +6199,6 @@
     <p:sldLayoutId id="2147483789" r:id="rId10"/>
     <p:sldLayoutId id="2147483790" r:id="rId11"/>
   </p:sldLayoutIdLst>
-  <p:timing>
-    <p:tnLst>
-      <p:par>
-        <p:cTn id="1" dur="indefinite" restart="never" nodeType="tmRoot"/>
-      </p:par>
-    </p:tnLst>
-  </p:timing>
   <p:hf sldNum="0" hdr="0" ftr="0" dt="0"/>
   <p:txStyles>
     <p:titleStyle>
@@ -6656,10 +6631,9 @@
           <a:lstStyle/>
           <a:p>
             <a:r>
-              <a:rPr lang="de-CH" dirty="0" smtClean="0"/>
+              <a:rPr lang="de-CH" dirty="0"/>
               <a:t>CS1 – Task7</a:t>
             </a:r>
-            <a:endParaRPr lang="de-CH" dirty="0"/>
           </a:p>
         </p:txBody>
       </p:sp>
@@ -6679,10 +6653,9 @@
           <a:lstStyle/>
           <a:p>
             <a:r>
-              <a:rPr lang="de-CH" dirty="0" smtClean="0"/>
+              <a:rPr lang="de-CH" dirty="0"/>
               <a:t>Team Rot</a:t>
             </a:r>
-            <a:endParaRPr lang="de-CH" dirty="0"/>
           </a:p>
         </p:txBody>
       </p:sp>
@@ -6737,25 +6710,6 @@
       </p:grpSpPr>
       <p:sp>
         <p:nvSpPr>
-          <p:cNvPr id="2" name="Inhaltsplatzhalter 1"/>
-          <p:cNvSpPr>
-            <a:spLocks noGrp="1"/>
-          </p:cNvSpPr>
-          <p:nvPr>
-            <p:ph sz="half" idx="1"/>
-          </p:nvPr>
-        </p:nvSpPr>
-        <p:spPr/>
-        <p:txBody>
-          <a:bodyPr/>
-          <a:lstStyle/>
-          <a:p>
-            <a:endParaRPr lang="de-CH"/>
-          </a:p>
-        </p:txBody>
-      </p:sp>
-      <p:sp>
-        <p:nvSpPr>
           <p:cNvPr id="3" name="Titel 2"/>
           <p:cNvSpPr>
             <a:spLocks noGrp="1"/>
@@ -6770,17 +6724,60 @@
           <a:lstStyle/>
           <a:p>
             <a:r>
-              <a:rPr lang="de-CH" dirty="0" smtClean="0"/>
+              <a:rPr lang="de-CH" dirty="0"/>
               <a:t>UML Domain </a:t>
             </a:r>
             <a:r>
-              <a:rPr lang="de-CH" dirty="0" err="1" smtClean="0"/>
+              <a:rPr lang="de-CH" dirty="0" err="1"/>
               <a:t>model</a:t>
             </a:r>
             <a:endParaRPr lang="de-CH" dirty="0"/>
           </a:p>
         </p:txBody>
       </p:sp>
+      <p:sp>
+        <p:nvSpPr>
+          <p:cNvPr id="5" name="Inhaltsplatzhalter 4"/>
+          <p:cNvSpPr>
+            <a:spLocks noGrp="1"/>
+          </p:cNvSpPr>
+          <p:nvPr>
+            <p:ph sz="half" idx="1"/>
+          </p:nvPr>
+        </p:nvSpPr>
+        <p:spPr/>
+        <p:txBody>
+          <a:bodyPr/>
+          <a:lstStyle/>
+          <a:p>
+            <a:endParaRPr lang="de-CH" dirty="0"/>
+          </a:p>
+        </p:txBody>
+      </p:sp>
+      <p:pic>
+        <p:nvPicPr>
+          <p:cNvPr id="6" name="Grafik 5"/>
+          <p:cNvPicPr>
+            <a:picLocks noChangeAspect="1"/>
+          </p:cNvPicPr>
+          <p:nvPr/>
+        </p:nvPicPr>
+        <p:blipFill>
+          <a:blip r:embed="rId2"/>
+          <a:stretch>
+            <a:fillRect/>
+          </a:stretch>
+        </p:blipFill>
+        <p:spPr>
+          <a:xfrm>
+            <a:off x="1477666" y="1439999"/>
+            <a:ext cx="5853800" cy="4587421"/>
+          </a:xfrm>
+          <a:prstGeom prst="rect">
+            <a:avLst/>
+          </a:prstGeom>
+        </p:spPr>
+      </p:pic>
     </p:spTree>
     <p:extLst>
       <p:ext uri="{BB962C8B-B14F-4D97-AF65-F5344CB8AC3E}">
@@ -6811,25 +6808,32 @@
           <a:chExt cx="0" cy="0"/>
         </a:xfrm>
       </p:grpSpPr>
-      <p:sp>
-        <p:nvSpPr>
-          <p:cNvPr id="2" name="Inhaltsplatzhalter 1"/>
-          <p:cNvSpPr>
-            <a:spLocks noGrp="1"/>
-          </p:cNvSpPr>
+      <p:pic>
+        <p:nvPicPr>
+          <p:cNvPr id="4" name="Inhaltsplatzhalter 3"/>
+          <p:cNvPicPr>
+            <a:picLocks noGrp="1" noChangeAspect="1"/>
+          </p:cNvPicPr>
           <p:nvPr>
             <p:ph sz="half" idx="1"/>
           </p:nvPr>
-        </p:nvSpPr>
-        <p:spPr/>
-        <p:txBody>
-          <a:bodyPr/>
-          <a:lstStyle/>
-          <a:p>
-            <a:endParaRPr lang="de-CH"/>
-          </a:p>
-        </p:txBody>
-      </p:sp>
+        </p:nvPicPr>
+        <p:blipFill>
+          <a:blip r:embed="rId2"/>
+          <a:stretch>
+            <a:fillRect/>
+          </a:stretch>
+        </p:blipFill>
+        <p:spPr>
+          <a:xfrm>
+            <a:off x="582194" y="1424939"/>
+            <a:ext cx="8063148" cy="4465321"/>
+          </a:xfrm>
+          <a:prstGeom prst="rect">
+            <a:avLst/>
+          </a:prstGeom>
+        </p:spPr>
+      </p:pic>
       <p:sp>
         <p:nvSpPr>
           <p:cNvPr id="3" name="Titel 2"/>
@@ -6846,30 +6850,29 @@
           <a:lstStyle/>
           <a:p>
             <a:r>
-              <a:rPr lang="de-CH" dirty="0" err="1" smtClean="0"/>
+              <a:rPr lang="de-CH" dirty="0" err="1"/>
               <a:t>Sequence</a:t>
             </a:r>
             <a:r>
-              <a:rPr lang="de-CH" dirty="0" smtClean="0"/>
+              <a:rPr lang="de-CH" dirty="0"/>
               <a:t> </a:t>
             </a:r>
             <a:r>
-              <a:rPr lang="de-CH" dirty="0" err="1" smtClean="0"/>
+              <a:rPr lang="de-CH" dirty="0" err="1"/>
               <a:t>diagram</a:t>
             </a:r>
             <a:r>
-              <a:rPr lang="de-CH" dirty="0" smtClean="0"/>
+              <a:rPr lang="de-CH" dirty="0"/>
               <a:t> – </a:t>
             </a:r>
             <a:r>
-              <a:rPr lang="de-CH" dirty="0" err="1" smtClean="0"/>
+              <a:rPr lang="de-CH" dirty="0" err="1"/>
               <a:t>user</a:t>
             </a:r>
             <a:r>
-              <a:rPr lang="de-CH" dirty="0" smtClean="0"/>
+              <a:rPr lang="de-CH" dirty="0"/>
               <a:t> update</a:t>
             </a:r>
-            <a:endParaRPr lang="de-CH" dirty="0"/>
           </a:p>
         </p:txBody>
       </p:sp>
@@ -6903,25 +6906,32 @@
           <a:chExt cx="0" cy="0"/>
         </a:xfrm>
       </p:grpSpPr>
-      <p:sp>
-        <p:nvSpPr>
-          <p:cNvPr id="2" name="Inhaltsplatzhalter 1"/>
-          <p:cNvSpPr>
-            <a:spLocks noGrp="1"/>
-          </p:cNvSpPr>
+      <p:pic>
+        <p:nvPicPr>
+          <p:cNvPr id="4" name="Inhaltsplatzhalter 3"/>
+          <p:cNvPicPr>
+            <a:picLocks noGrp="1" noChangeAspect="1"/>
+          </p:cNvPicPr>
           <p:nvPr>
             <p:ph sz="half" idx="1"/>
           </p:nvPr>
-        </p:nvSpPr>
-        <p:spPr/>
-        <p:txBody>
-          <a:bodyPr/>
-          <a:lstStyle/>
-          <a:p>
-            <a:endParaRPr lang="de-CH"/>
-          </a:p>
-        </p:txBody>
-      </p:sp>
+        </p:nvPicPr>
+        <p:blipFill>
+          <a:blip r:embed="rId2"/>
+          <a:stretch>
+            <a:fillRect/>
+          </a:stretch>
+        </p:blipFill>
+        <p:spPr>
+          <a:xfrm>
+            <a:off x="415213" y="1417320"/>
+            <a:ext cx="8205574" cy="4602454"/>
+          </a:xfrm>
+          <a:prstGeom prst="rect">
+            <a:avLst/>
+          </a:prstGeom>
+        </p:spPr>
+      </p:pic>
       <p:sp>
         <p:nvSpPr>
           <p:cNvPr id="3" name="Titel 2"/>
@@ -6938,31 +6948,31 @@
           <a:lstStyle/>
           <a:p>
             <a:r>
-              <a:rPr lang="de-CH" dirty="0" err="1" smtClean="0"/>
+              <a:rPr lang="de-CH" dirty="0" err="1"/>
               <a:t>Sequence</a:t>
             </a:r>
             <a:r>
-              <a:rPr lang="de-CH" dirty="0" smtClean="0"/>
+              <a:rPr lang="de-CH" dirty="0"/>
               <a:t> </a:t>
             </a:r>
             <a:r>
-              <a:rPr lang="de-CH" dirty="0" err="1" smtClean="0"/>
+              <a:rPr lang="de-CH" dirty="0" err="1"/>
               <a:t>diagram</a:t>
             </a:r>
             <a:r>
-              <a:rPr lang="de-CH" dirty="0" smtClean="0"/>
+              <a:rPr lang="de-CH" dirty="0"/>
               <a:t> – </a:t>
             </a:r>
             <a:r>
-              <a:rPr lang="de-CH" dirty="0" err="1" smtClean="0"/>
+              <a:rPr lang="de-CH" dirty="0" err="1"/>
               <a:t>system</a:t>
             </a:r>
             <a:r>
-              <a:rPr lang="de-CH" dirty="0" smtClean="0"/>
+              <a:rPr lang="de-CH" dirty="0"/>
               <a:t> </a:t>
             </a:r>
             <a:r>
-              <a:rPr lang="de-CH" dirty="0" err="1" smtClean="0"/>
+              <a:rPr lang="de-CH" dirty="0" err="1"/>
               <a:t>alerts</a:t>
             </a:r>
             <a:endParaRPr lang="de-CH" dirty="0"/>
@@ -7034,14 +7044,13 @@
           <a:lstStyle/>
           <a:p>
             <a:r>
-              <a:rPr lang="de-CH" dirty="0" smtClean="0"/>
+              <a:rPr lang="de-CH" dirty="0"/>
               <a:t>Class </a:t>
             </a:r>
             <a:r>
-              <a:rPr lang="de-CH" smtClean="0"/>
+              <a:rPr lang="de-CH"/>
               <a:t>model</a:t>
             </a:r>
-            <a:endParaRPr lang="de-CH"/>
           </a:p>
         </p:txBody>
       </p:sp>
@@ -7942,23 +7951,6 @@
 </file>
 
 <file path=customXml/item1.xml><?xml version="1.0" encoding="utf-8"?>
-<?mso-contentType ?>
-<FormTemplates xmlns="http://schemas.microsoft.com/sharepoint/v3/contenttype/forms">
-  <Display>DocumentLibraryForm</Display>
-  <Edit>DocumentLibraryForm</Edit>
-  <New>DocumentLibraryForm</New>
-</FormTemplates>
-</file>
-
-<file path=customXml/item2.xml><?xml version="1.0" encoding="utf-8"?>
-<p:properties xmlns:p="http://schemas.microsoft.com/office/2006/metadata/properties" xmlns:xsi="http://www.w3.org/2001/XMLSchema-instance">
-  <documentManagement>
-    <AVMTitle xmlns="5091c847-84be-4f4f-b16c-c018ad2ca66b">Präsentation BFH_2013</AVMTitle>
-  </documentManagement>
-</p:properties>
-</file>
-
-<file path=customXml/item3.xml><?xml version="1.0" encoding="utf-8"?>
 <ct:contentTypeSchema xmlns:ct="http://schemas.microsoft.com/office/2006/metadata/contentType" xmlns:ma="http://schemas.microsoft.com/office/2006/metadata/properties/metaAttributes" ct:_="" ma:_="" ma:contentTypeName="Dokument" ma:contentTypeID="0x010100EBE3A9EFF36793468C03E2811ACE2A2B" ma:contentTypeVersion="1" ma:contentTypeDescription="Ein neues Dokument erstellen." ma:contentTypeScope="" ma:versionID="e65be32cb1bfff77fc8c9c09bf542651">
   <xsd:schema xmlns:xsd="http://www.w3.org/2001/XMLSchema" xmlns:p="http://schemas.microsoft.com/office/2006/metadata/properties" xmlns:ns2="5091c847-84be-4f4f-b16c-c018ad2ca66b" targetNamespace="http://schemas.microsoft.com/office/2006/metadata/properties" ma:root="true" ma:fieldsID="7636c84aed5b7d09a166fcef888725d4" ns2:_="">
     <xsd:import namespace="5091c847-84be-4f4f-b16c-c018ad2ca66b"/>
@@ -8018,10 +8010,36 @@
 </ct:contentTypeSchema>
 </file>
 
+<file path=customXml/item2.xml><?xml version="1.0" encoding="utf-8"?>
+<p:properties xmlns:p="http://schemas.microsoft.com/office/2006/metadata/properties" xmlns:xsi="http://www.w3.org/2001/XMLSchema-instance">
+  <documentManagement>
+    <AVMTitle xmlns="5091c847-84be-4f4f-b16c-c018ad2ca66b">Präsentation BFH_2013</AVMTitle>
+  </documentManagement>
+</p:properties>
+</file>
+
+<file path=customXml/item3.xml><?xml version="1.0" encoding="utf-8"?>
+<?mso-contentType ?>
+<FormTemplates xmlns="http://schemas.microsoft.com/sharepoint/v3/contenttype/forms">
+  <Display>DocumentLibraryForm</Display>
+  <Edit>DocumentLibraryForm</Edit>
+  <New>DocumentLibraryForm</New>
+</FormTemplates>
+</file>
+
 <file path=customXml/itemProps1.xml><?xml version="1.0" encoding="utf-8"?>
-<ds:datastoreItem xmlns:ds="http://schemas.openxmlformats.org/officeDocument/2006/customXml" ds:itemID="{1851D33F-E468-417B-A30C-509B68D2BD09}">
+<ds:datastoreItem xmlns:ds="http://schemas.openxmlformats.org/officeDocument/2006/customXml" ds:itemID="{15287BEA-F3FF-4B87-929B-5D0092183197}">
   <ds:schemaRefs>
-    <ds:schemaRef ds:uri="http://schemas.microsoft.com/sharepoint/v3/contenttype/forms"/>
+    <ds:schemaRef ds:uri="http://schemas.microsoft.com/office/2006/metadata/contentType"/>
+    <ds:schemaRef ds:uri="http://schemas.microsoft.com/office/2006/metadata/properties/metaAttributes"/>
+    <ds:schemaRef ds:uri="http://www.w3.org/2001/XMLSchema"/>
+    <ds:schemaRef ds:uri="http://schemas.microsoft.com/office/2006/metadata/properties"/>
+    <ds:schemaRef ds:uri="5091c847-84be-4f4f-b16c-c018ad2ca66b"/>
+    <ds:schemaRef ds:uri="http://schemas.microsoft.com/office/2006/documentManagement/types"/>
+    <ds:schemaRef ds:uri="http://schemas.openxmlformats.org/package/2006/metadata/core-properties"/>
+    <ds:schemaRef ds:uri="http://purl.org/dc/elements/1.1/"/>
+    <ds:schemaRef ds:uri="http://purl.org/dc/terms/"/>
+    <ds:schemaRef ds:uri="http://schemas.microsoft.com/office/internal/2005/internalDocumentation"/>
   </ds:schemaRefs>
 </ds:datastoreItem>
 </file>
@@ -8042,18 +8060,9 @@
 </file>
 
 <file path=customXml/itemProps3.xml><?xml version="1.0" encoding="utf-8"?>
-<ds:datastoreItem xmlns:ds="http://schemas.openxmlformats.org/officeDocument/2006/customXml" ds:itemID="{15287BEA-F3FF-4B87-929B-5D0092183197}">
+<ds:datastoreItem xmlns:ds="http://schemas.openxmlformats.org/officeDocument/2006/customXml" ds:itemID="{1851D33F-E468-417B-A30C-509B68D2BD09}">
   <ds:schemaRefs>
-    <ds:schemaRef ds:uri="http://schemas.microsoft.com/office/2006/metadata/contentType"/>
-    <ds:schemaRef ds:uri="http://schemas.microsoft.com/office/2006/metadata/properties/metaAttributes"/>
-    <ds:schemaRef ds:uri="http://www.w3.org/2001/XMLSchema"/>
-    <ds:schemaRef ds:uri="http://schemas.microsoft.com/office/2006/metadata/properties"/>
-    <ds:schemaRef ds:uri="5091c847-84be-4f4f-b16c-c018ad2ca66b"/>
-    <ds:schemaRef ds:uri="http://schemas.microsoft.com/office/2006/documentManagement/types"/>
-    <ds:schemaRef ds:uri="http://schemas.openxmlformats.org/package/2006/metadata/core-properties"/>
-    <ds:schemaRef ds:uri="http://purl.org/dc/elements/1.1/"/>
-    <ds:schemaRef ds:uri="http://purl.org/dc/terms/"/>
-    <ds:schemaRef ds:uri="http://schemas.microsoft.com/office/internal/2005/internalDocumentation"/>
+    <ds:schemaRef ds:uri="http://schemas.microsoft.com/sharepoint/v3/contenttype/forms"/>
   </ds:schemaRefs>
 </ds:datastoreItem>
 </file>
--- a/doc/task7/red_task7.pptx
+++ b/doc/task7/red_task7.pptx
@@ -6756,7 +6756,7 @@
       </p:sp>
       <p:pic>
         <p:nvPicPr>
-          <p:cNvPr id="6" name="Grafik 5"/>
+          <p:cNvPr id="2" name="Grafik 1"/>
           <p:cNvPicPr>
             <a:picLocks noChangeAspect="1"/>
           </p:cNvPicPr>
@@ -6770,8 +6770,8 @@
         </p:blipFill>
         <p:spPr>
           <a:xfrm>
-            <a:off x="1477666" y="1439999"/>
-            <a:ext cx="5853800" cy="4587421"/>
+            <a:off x="1501140" y="1479059"/>
+            <a:ext cx="5943600" cy="4657794"/>
           </a:xfrm>
           <a:prstGeom prst="rect">
             <a:avLst/>
@@ -7951,6 +7951,23 @@
 </file>
 
 <file path=customXml/item1.xml><?xml version="1.0" encoding="utf-8"?>
+<?mso-contentType ?>
+<FormTemplates xmlns="http://schemas.microsoft.com/sharepoint/v3/contenttype/forms">
+  <Display>DocumentLibraryForm</Display>
+  <Edit>DocumentLibraryForm</Edit>
+  <New>DocumentLibraryForm</New>
+</FormTemplates>
+</file>
+
+<file path=customXml/item2.xml><?xml version="1.0" encoding="utf-8"?>
+<p:properties xmlns:p="http://schemas.microsoft.com/office/2006/metadata/properties" xmlns:xsi="http://www.w3.org/2001/XMLSchema-instance">
+  <documentManagement>
+    <AVMTitle xmlns="5091c847-84be-4f4f-b16c-c018ad2ca66b">Präsentation BFH_2013</AVMTitle>
+  </documentManagement>
+</p:properties>
+</file>
+
+<file path=customXml/item3.xml><?xml version="1.0" encoding="utf-8"?>
 <ct:contentTypeSchema xmlns:ct="http://schemas.microsoft.com/office/2006/metadata/contentType" xmlns:ma="http://schemas.microsoft.com/office/2006/metadata/properties/metaAttributes" ct:_="" ma:_="" ma:contentTypeName="Dokument" ma:contentTypeID="0x010100EBE3A9EFF36793468C03E2811ACE2A2B" ma:contentTypeVersion="1" ma:contentTypeDescription="Ein neues Dokument erstellen." ma:contentTypeScope="" ma:versionID="e65be32cb1bfff77fc8c9c09bf542651">
   <xsd:schema xmlns:xsd="http://www.w3.org/2001/XMLSchema" xmlns:p="http://schemas.microsoft.com/office/2006/metadata/properties" xmlns:ns2="5091c847-84be-4f4f-b16c-c018ad2ca66b" targetNamespace="http://schemas.microsoft.com/office/2006/metadata/properties" ma:root="true" ma:fieldsID="7636c84aed5b7d09a166fcef888725d4" ns2:_="">
     <xsd:import namespace="5091c847-84be-4f4f-b16c-c018ad2ca66b"/>
@@ -8010,36 +8027,10 @@
 </ct:contentTypeSchema>
 </file>
 
-<file path=customXml/item2.xml><?xml version="1.0" encoding="utf-8"?>
-<p:properties xmlns:p="http://schemas.microsoft.com/office/2006/metadata/properties" xmlns:xsi="http://www.w3.org/2001/XMLSchema-instance">
-  <documentManagement>
-    <AVMTitle xmlns="5091c847-84be-4f4f-b16c-c018ad2ca66b">Präsentation BFH_2013</AVMTitle>
-  </documentManagement>
-</p:properties>
-</file>
-
-<file path=customXml/item3.xml><?xml version="1.0" encoding="utf-8"?>
-<?mso-contentType ?>
-<FormTemplates xmlns="http://schemas.microsoft.com/sharepoint/v3/contenttype/forms">
-  <Display>DocumentLibraryForm</Display>
-  <Edit>DocumentLibraryForm</Edit>
-  <New>DocumentLibraryForm</New>
-</FormTemplates>
-</file>
-
 <file path=customXml/itemProps1.xml><?xml version="1.0" encoding="utf-8"?>
-<ds:datastoreItem xmlns:ds="http://schemas.openxmlformats.org/officeDocument/2006/customXml" ds:itemID="{15287BEA-F3FF-4B87-929B-5D0092183197}">
+<ds:datastoreItem xmlns:ds="http://schemas.openxmlformats.org/officeDocument/2006/customXml" ds:itemID="{1851D33F-E468-417B-A30C-509B68D2BD09}">
   <ds:schemaRefs>
-    <ds:schemaRef ds:uri="http://schemas.microsoft.com/office/2006/metadata/contentType"/>
-    <ds:schemaRef ds:uri="http://schemas.microsoft.com/office/2006/metadata/properties/metaAttributes"/>
-    <ds:schemaRef ds:uri="http://www.w3.org/2001/XMLSchema"/>
-    <ds:schemaRef ds:uri="http://schemas.microsoft.com/office/2006/metadata/properties"/>
-    <ds:schemaRef ds:uri="5091c847-84be-4f4f-b16c-c018ad2ca66b"/>
-    <ds:schemaRef ds:uri="http://schemas.microsoft.com/office/2006/documentManagement/types"/>
-    <ds:schemaRef ds:uri="http://schemas.openxmlformats.org/package/2006/metadata/core-properties"/>
-    <ds:schemaRef ds:uri="http://purl.org/dc/elements/1.1/"/>
-    <ds:schemaRef ds:uri="http://purl.org/dc/terms/"/>
-    <ds:schemaRef ds:uri="http://schemas.microsoft.com/office/internal/2005/internalDocumentation"/>
+    <ds:schemaRef ds:uri="http://schemas.microsoft.com/sharepoint/v3/contenttype/forms"/>
   </ds:schemaRefs>
 </ds:datastoreItem>
 </file>
@@ -8060,9 +8051,18 @@
 </file>
 
 <file path=customXml/itemProps3.xml><?xml version="1.0" encoding="utf-8"?>
-<ds:datastoreItem xmlns:ds="http://schemas.openxmlformats.org/officeDocument/2006/customXml" ds:itemID="{1851D33F-E468-417B-A30C-509B68D2BD09}">
+<ds:datastoreItem xmlns:ds="http://schemas.openxmlformats.org/officeDocument/2006/customXml" ds:itemID="{15287BEA-F3FF-4B87-929B-5D0092183197}">
   <ds:schemaRefs>
-    <ds:schemaRef ds:uri="http://schemas.microsoft.com/sharepoint/v3/contenttype/forms"/>
+    <ds:schemaRef ds:uri="http://schemas.microsoft.com/office/2006/metadata/contentType"/>
+    <ds:schemaRef ds:uri="http://schemas.microsoft.com/office/2006/metadata/properties/metaAttributes"/>
+    <ds:schemaRef ds:uri="http://www.w3.org/2001/XMLSchema"/>
+    <ds:schemaRef ds:uri="http://schemas.microsoft.com/office/2006/metadata/properties"/>
+    <ds:schemaRef ds:uri="5091c847-84be-4f4f-b16c-c018ad2ca66b"/>
+    <ds:schemaRef ds:uri="http://schemas.microsoft.com/office/2006/documentManagement/types"/>
+    <ds:schemaRef ds:uri="http://schemas.openxmlformats.org/package/2006/metadata/core-properties"/>
+    <ds:schemaRef ds:uri="http://purl.org/dc/elements/1.1/"/>
+    <ds:schemaRef ds:uri="http://purl.org/dc/terms/"/>
+    <ds:schemaRef ds:uri="http://schemas.microsoft.com/office/internal/2005/internalDocumentation"/>
   </ds:schemaRefs>
 </ds:datastoreItem>
 </file>
--- a/doc/task7/red_task7.pptx
+++ b/doc/task7/red_task7.pptx
@@ -6725,42 +6725,20 @@
           <a:p>
             <a:r>
               <a:rPr lang="de-CH" dirty="0"/>
-              <a:t>UML Domain </a:t>
-            </a:r>
-            <a:r>
-              <a:rPr lang="de-CH" dirty="0" err="1"/>
-              <a:t>model</a:t>
-            </a:r>
-            <a:endParaRPr lang="de-CH" dirty="0"/>
-          </a:p>
-        </p:txBody>
-      </p:sp>
-      <p:sp>
-        <p:nvSpPr>
-          <p:cNvPr id="5" name="Inhaltsplatzhalter 4"/>
-          <p:cNvSpPr>
-            <a:spLocks noGrp="1"/>
-          </p:cNvSpPr>
+              <a:t>UML Domain Model</a:t>
+            </a:r>
+          </a:p>
+        </p:txBody>
+      </p:sp>
+      <p:pic>
+        <p:nvPicPr>
+          <p:cNvPr id="6" name="Inhaltsplatzhalter 5"/>
+          <p:cNvPicPr>
+            <a:picLocks noGrp="1" noChangeAspect="1"/>
+          </p:cNvPicPr>
           <p:nvPr>
             <p:ph sz="half" idx="1"/>
           </p:nvPr>
-        </p:nvSpPr>
-        <p:spPr/>
-        <p:txBody>
-          <a:bodyPr/>
-          <a:lstStyle/>
-          <a:p>
-            <a:endParaRPr lang="de-CH" dirty="0"/>
-          </a:p>
-        </p:txBody>
-      </p:sp>
-      <p:pic>
-        <p:nvPicPr>
-          <p:cNvPr id="2" name="Grafik 1"/>
-          <p:cNvPicPr>
-            <a:picLocks noChangeAspect="1"/>
-          </p:cNvPicPr>
-          <p:nvPr/>
         </p:nvPicPr>
         <p:blipFill>
           <a:blip r:embed="rId2"/>
@@ -6770,8 +6748,8 @@
         </p:blipFill>
         <p:spPr>
           <a:xfrm>
-            <a:off x="1501140" y="1479059"/>
-            <a:ext cx="5943600" cy="4657794"/>
+            <a:off x="1667354" y="1313688"/>
+            <a:ext cx="6135526" cy="4826254"/>
           </a:xfrm>
           <a:prstGeom prst="rect">
             <a:avLst/>
@@ -7951,23 +7929,6 @@
 </file>
 
 <file path=customXml/item1.xml><?xml version="1.0" encoding="utf-8"?>
-<?mso-contentType ?>
-<FormTemplates xmlns="http://schemas.microsoft.com/sharepoint/v3/contenttype/forms">
-  <Display>DocumentLibraryForm</Display>
-  <Edit>DocumentLibraryForm</Edit>
-  <New>DocumentLibraryForm</New>
-</FormTemplates>
-</file>
-
-<file path=customXml/item2.xml><?xml version="1.0" encoding="utf-8"?>
-<p:properties xmlns:p="http://schemas.microsoft.com/office/2006/metadata/properties" xmlns:xsi="http://www.w3.org/2001/XMLSchema-instance">
-  <documentManagement>
-    <AVMTitle xmlns="5091c847-84be-4f4f-b16c-c018ad2ca66b">Präsentation BFH_2013</AVMTitle>
-  </documentManagement>
-</p:properties>
-</file>
-
-<file path=customXml/item3.xml><?xml version="1.0" encoding="utf-8"?>
 <ct:contentTypeSchema xmlns:ct="http://schemas.microsoft.com/office/2006/metadata/contentType" xmlns:ma="http://schemas.microsoft.com/office/2006/metadata/properties/metaAttributes" ct:_="" ma:_="" ma:contentTypeName="Dokument" ma:contentTypeID="0x010100EBE3A9EFF36793468C03E2811ACE2A2B" ma:contentTypeVersion="1" ma:contentTypeDescription="Ein neues Dokument erstellen." ma:contentTypeScope="" ma:versionID="e65be32cb1bfff77fc8c9c09bf542651">
   <xsd:schema xmlns:xsd="http://www.w3.org/2001/XMLSchema" xmlns:p="http://schemas.microsoft.com/office/2006/metadata/properties" xmlns:ns2="5091c847-84be-4f4f-b16c-c018ad2ca66b" targetNamespace="http://schemas.microsoft.com/office/2006/metadata/properties" ma:root="true" ma:fieldsID="7636c84aed5b7d09a166fcef888725d4" ns2:_="">
     <xsd:import namespace="5091c847-84be-4f4f-b16c-c018ad2ca66b"/>
@@ -8027,10 +7988,36 @@
 </ct:contentTypeSchema>
 </file>
 
+<file path=customXml/item2.xml><?xml version="1.0" encoding="utf-8"?>
+<p:properties xmlns:p="http://schemas.microsoft.com/office/2006/metadata/properties" xmlns:xsi="http://www.w3.org/2001/XMLSchema-instance">
+  <documentManagement>
+    <AVMTitle xmlns="5091c847-84be-4f4f-b16c-c018ad2ca66b">Präsentation BFH_2013</AVMTitle>
+  </documentManagement>
+</p:properties>
+</file>
+
+<file path=customXml/item3.xml><?xml version="1.0" encoding="utf-8"?>
+<?mso-contentType ?>
+<FormTemplates xmlns="http://schemas.microsoft.com/sharepoint/v3/contenttype/forms">
+  <Display>DocumentLibraryForm</Display>
+  <Edit>DocumentLibraryForm</Edit>
+  <New>DocumentLibraryForm</New>
+</FormTemplates>
+</file>
+
 <file path=customXml/itemProps1.xml><?xml version="1.0" encoding="utf-8"?>
-<ds:datastoreItem xmlns:ds="http://schemas.openxmlformats.org/officeDocument/2006/customXml" ds:itemID="{1851D33F-E468-417B-A30C-509B68D2BD09}">
+<ds:datastoreItem xmlns:ds="http://schemas.openxmlformats.org/officeDocument/2006/customXml" ds:itemID="{15287BEA-F3FF-4B87-929B-5D0092183197}">
   <ds:schemaRefs>
-    <ds:schemaRef ds:uri="http://schemas.microsoft.com/sharepoint/v3/contenttype/forms"/>
+    <ds:schemaRef ds:uri="http://schemas.microsoft.com/office/2006/metadata/contentType"/>
+    <ds:schemaRef ds:uri="http://schemas.microsoft.com/office/2006/metadata/properties/metaAttributes"/>
+    <ds:schemaRef ds:uri="http://www.w3.org/2001/XMLSchema"/>
+    <ds:schemaRef ds:uri="http://schemas.microsoft.com/office/2006/metadata/properties"/>
+    <ds:schemaRef ds:uri="5091c847-84be-4f4f-b16c-c018ad2ca66b"/>
+    <ds:schemaRef ds:uri="http://schemas.microsoft.com/office/2006/documentManagement/types"/>
+    <ds:schemaRef ds:uri="http://schemas.openxmlformats.org/package/2006/metadata/core-properties"/>
+    <ds:schemaRef ds:uri="http://purl.org/dc/elements/1.1/"/>
+    <ds:schemaRef ds:uri="http://purl.org/dc/terms/"/>
+    <ds:schemaRef ds:uri="http://schemas.microsoft.com/office/internal/2005/internalDocumentation"/>
   </ds:schemaRefs>
 </ds:datastoreItem>
 </file>
@@ -8051,18 +8038,9 @@
 </file>
 
 <file path=customXml/itemProps3.xml><?xml version="1.0" encoding="utf-8"?>
-<ds:datastoreItem xmlns:ds="http://schemas.openxmlformats.org/officeDocument/2006/customXml" ds:itemID="{15287BEA-F3FF-4B87-929B-5D0092183197}">
+<ds:datastoreItem xmlns:ds="http://schemas.openxmlformats.org/officeDocument/2006/customXml" ds:itemID="{1851D33F-E468-417B-A30C-509B68D2BD09}">
   <ds:schemaRefs>
-    <ds:schemaRef ds:uri="http://schemas.microsoft.com/office/2006/metadata/contentType"/>
-    <ds:schemaRef ds:uri="http://schemas.microsoft.com/office/2006/metadata/properties/metaAttributes"/>
-    <ds:schemaRef ds:uri="http://www.w3.org/2001/XMLSchema"/>
-    <ds:schemaRef ds:uri="http://schemas.microsoft.com/office/2006/metadata/properties"/>
-    <ds:schemaRef ds:uri="5091c847-84be-4f4f-b16c-c018ad2ca66b"/>
-    <ds:schemaRef ds:uri="http://schemas.microsoft.com/office/2006/documentManagement/types"/>
-    <ds:schemaRef ds:uri="http://schemas.openxmlformats.org/package/2006/metadata/core-properties"/>
-    <ds:schemaRef ds:uri="http://purl.org/dc/elements/1.1/"/>
-    <ds:schemaRef ds:uri="http://purl.org/dc/terms/"/>
-    <ds:schemaRef ds:uri="http://schemas.microsoft.com/office/internal/2005/internalDocumentation"/>
+    <ds:schemaRef ds:uri="http://schemas.microsoft.com/sharepoint/v3/contenttype/forms"/>
   </ds:schemaRefs>
 </ds:datastoreItem>
 </file>
--- a/doc/task7/red_task7.pptx
+++ b/doc/task7/red_task7.pptx
@@ -12,10 +12,10 @@
   </p:handoutMasterIdLst>
   <p:sldIdLst>
     <p:sldId id="303" r:id="rId5"/>
-    <p:sldId id="304" r:id="rId6"/>
-    <p:sldId id="305" r:id="rId7"/>
-    <p:sldId id="306" r:id="rId8"/>
-    <p:sldId id="307" r:id="rId9"/>
+    <p:sldId id="307" r:id="rId6"/>
+    <p:sldId id="304" r:id="rId7"/>
+    <p:sldId id="305" r:id="rId8"/>
+    <p:sldId id="306" r:id="rId9"/>
     <p:sldId id="299" r:id="rId10"/>
   </p:sldIdLst>
   <p:sldSz cx="9144000" cy="6858000" type="screen4x3"/>
@@ -977,9 +977,17 @@
             <a:br>
               <a:rPr lang="de-DE" noProof="0" dirty="0"/>
             </a:br>
+            <a:r>
+              <a:rPr lang="de-DE" noProof="0" dirty="0"/>
+              <a:t/>
+            </a:r>
             <a:br>
               <a:rPr lang="de-DE" noProof="0" dirty="0"/>
             </a:br>
+            <a:r>
+              <a:rPr lang="de-DE" noProof="0" dirty="0"/>
+              <a:t/>
+            </a:r>
             <a:br>
               <a:rPr lang="de-DE" noProof="0" dirty="0"/>
             </a:br>
@@ -6688,10 +6696,130 @@
   <p:clrMapOvr>
     <a:masterClrMapping/>
   </p:clrMapOvr>
+  <p:timing>
+    <p:tnLst>
+      <p:par>
+        <p:cTn id="1" dur="indefinite" restart="never" nodeType="tmRoot"/>
+      </p:par>
+    </p:tnLst>
+  </p:timing>
 </p:sld>
 </file>
 
 <file path=ppt/slides/slide2.xml><?xml version="1.0" encoding="utf-8"?>
+<p:sld xmlns:a="http://schemas.openxmlformats.org/drawingml/2006/main" xmlns:r="http://schemas.openxmlformats.org/officeDocument/2006/relationships" xmlns:p="http://schemas.openxmlformats.org/presentationml/2006/main">
+  <p:cSld>
+    <p:spTree>
+      <p:nvGrpSpPr>
+        <p:cNvPr id="1" name=""/>
+        <p:cNvGrpSpPr/>
+        <p:nvPr/>
+      </p:nvGrpSpPr>
+      <p:grpSpPr>
+        <a:xfrm>
+          <a:off x="0" y="0"/>
+          <a:ext cx="0" cy="0"/>
+          <a:chOff x="0" y="0"/>
+          <a:chExt cx="0" cy="0"/>
+        </a:xfrm>
+      </p:grpSpPr>
+      <p:sp>
+        <p:nvSpPr>
+          <p:cNvPr id="2" name="Inhaltsplatzhalter 1"/>
+          <p:cNvSpPr>
+            <a:spLocks noGrp="1"/>
+          </p:cNvSpPr>
+          <p:nvPr>
+            <p:ph sz="half" idx="1"/>
+          </p:nvPr>
+        </p:nvSpPr>
+        <p:spPr/>
+        <p:txBody>
+          <a:bodyPr/>
+          <a:lstStyle/>
+          <a:p>
+            <a:endParaRPr lang="de-CH"/>
+          </a:p>
+        </p:txBody>
+      </p:sp>
+      <p:sp>
+        <p:nvSpPr>
+          <p:cNvPr id="3" name="Titel 2"/>
+          <p:cNvSpPr>
+            <a:spLocks noGrp="1"/>
+          </p:cNvSpPr>
+          <p:nvPr>
+            <p:ph type="ctrTitle"/>
+          </p:nvPr>
+        </p:nvSpPr>
+        <p:spPr/>
+        <p:txBody>
+          <a:bodyPr/>
+          <a:lstStyle/>
+          <a:p>
+            <a:r>
+              <a:rPr lang="de-CH" dirty="0" err="1" smtClean="0"/>
+              <a:t>Crc</a:t>
+            </a:r>
+            <a:r>
+              <a:rPr lang="de-CH" dirty="0" smtClean="0"/>
+              <a:t>-Cards</a:t>
+            </a:r>
+            <a:endParaRPr lang="de-CH" dirty="0"/>
+          </a:p>
+        </p:txBody>
+      </p:sp>
+      <p:pic>
+        <p:nvPicPr>
+          <p:cNvPr id="4" name="Inhaltsplatzhalter 3"/>
+          <p:cNvPicPr>
+            <a:picLocks noChangeAspect="1"/>
+          </p:cNvPicPr>
+          <p:nvPr/>
+        </p:nvPicPr>
+        <p:blipFill>
+          <a:blip r:embed="rId2">
+            <a:extLst>
+              <a:ext uri="{28A0092B-C50C-407E-A947-70E740481C1C}">
+                <a14:useLocalDpi xmlns:a14="http://schemas.microsoft.com/office/drawing/2010/main" val="0"/>
+              </a:ext>
+            </a:extLst>
+          </a:blip>
+          <a:stretch>
+            <a:fillRect/>
+          </a:stretch>
+        </p:blipFill>
+        <p:spPr>
+          <a:xfrm>
+            <a:off x="23879" y="1132764"/>
+            <a:ext cx="9102980" cy="4817660"/>
+          </a:xfrm>
+          <a:prstGeom prst="rect">
+            <a:avLst/>
+          </a:prstGeom>
+        </p:spPr>
+      </p:pic>
+    </p:spTree>
+    <p:extLst>
+      <p:ext uri="{BB962C8B-B14F-4D97-AF65-F5344CB8AC3E}">
+        <p14:creationId xmlns:p14="http://schemas.microsoft.com/office/powerpoint/2010/main" val="1679188202"/>
+      </p:ext>
+    </p:extLst>
+  </p:cSld>
+  <p:clrMapOvr>
+    <a:masterClrMapping/>
+  </p:clrMapOvr>
+  <p:timing>
+    <p:tnLst>
+      <p:par>
+        <p:cTn id="1" dur="indefinite" restart="never" nodeType="tmRoot"/>
+      </p:par>
+    </p:tnLst>
+  </p:timing>
+</p:sld>
+</file>
+
+<file path=ppt/slides/slide3.xml><?xml version="1.0" encoding="utf-8"?>
 <p:sld xmlns:a="http://schemas.openxmlformats.org/drawingml/2006/main" xmlns:r="http://schemas.openxmlformats.org/officeDocument/2006/relationships" xmlns:p="http://schemas.openxmlformats.org/presentationml/2006/main">
   <p:cSld>
     <p:spTree>
@@ -6766,10 +6894,17 @@
   <p:clrMapOvr>
     <a:masterClrMapping/>
   </p:clrMapOvr>
+  <p:timing>
+    <p:tnLst>
+      <p:par>
+        <p:cTn id="1" dur="indefinite" restart="never" nodeType="tmRoot"/>
+      </p:par>
+    </p:tnLst>
+  </p:timing>
 </p:sld>
 </file>
 
-<file path=ppt/slides/slide3.xml><?xml version="1.0" encoding="utf-8"?>
+<file path=ppt/slides/slide4.xml><?xml version="1.0" encoding="utf-8"?>
 <p:sld xmlns:a="http://schemas.openxmlformats.org/drawingml/2006/main" xmlns:r="http://schemas.openxmlformats.org/officeDocument/2006/relationships" xmlns:p="http://schemas.openxmlformats.org/presentationml/2006/main">
   <p:cSld>
     <p:spTree>
@@ -6864,10 +6999,17 @@
   <p:clrMapOvr>
     <a:masterClrMapping/>
   </p:clrMapOvr>
+  <p:timing>
+    <p:tnLst>
+      <p:par>
+        <p:cTn id="1" dur="indefinite" restart="never" nodeType="tmRoot"/>
+      </p:par>
+    </p:tnLst>
+  </p:timing>
 </p:sld>
 </file>
 
-<file path=ppt/slides/slide4.xml><?xml version="1.0" encoding="utf-8"?>
+<file path=ppt/slides/slide5.xml><?xml version="1.0" encoding="utf-8"?>
 <p:sld xmlns:a="http://schemas.openxmlformats.org/drawingml/2006/main" xmlns:r="http://schemas.openxmlformats.org/officeDocument/2006/relationships" xmlns:p="http://schemas.openxmlformats.org/presentationml/2006/main">
   <p:cSld>
     <p:spTree>
@@ -6967,81 +7109,13 @@
   <p:clrMapOvr>
     <a:masterClrMapping/>
   </p:clrMapOvr>
-</p:sld>
-</file>
-
-<file path=ppt/slides/slide5.xml><?xml version="1.0" encoding="utf-8"?>
-<p:sld xmlns:a="http://schemas.openxmlformats.org/drawingml/2006/main" xmlns:r="http://schemas.openxmlformats.org/officeDocument/2006/relationships" xmlns:p="http://schemas.openxmlformats.org/presentationml/2006/main">
-  <p:cSld>
-    <p:spTree>
-      <p:nvGrpSpPr>
-        <p:cNvPr id="1" name=""/>
-        <p:cNvGrpSpPr/>
-        <p:nvPr/>
-      </p:nvGrpSpPr>
-      <p:grpSpPr>
-        <a:xfrm>
-          <a:off x="0" y="0"/>
-          <a:ext cx="0" cy="0"/>
-          <a:chOff x="0" y="0"/>
-          <a:chExt cx="0" cy="0"/>
-        </a:xfrm>
-      </p:grpSpPr>
-      <p:sp>
-        <p:nvSpPr>
-          <p:cNvPr id="2" name="Inhaltsplatzhalter 1"/>
-          <p:cNvSpPr>
-            <a:spLocks noGrp="1"/>
-          </p:cNvSpPr>
-          <p:nvPr>
-            <p:ph sz="half" idx="1"/>
-          </p:nvPr>
-        </p:nvSpPr>
-        <p:spPr/>
-        <p:txBody>
-          <a:bodyPr/>
-          <a:lstStyle/>
-          <a:p>
-            <a:endParaRPr lang="de-CH"/>
-          </a:p>
-        </p:txBody>
-      </p:sp>
-      <p:sp>
-        <p:nvSpPr>
-          <p:cNvPr id="3" name="Titel 2"/>
-          <p:cNvSpPr>
-            <a:spLocks noGrp="1"/>
-          </p:cNvSpPr>
-          <p:nvPr>
-            <p:ph type="ctrTitle"/>
-          </p:nvPr>
-        </p:nvSpPr>
-        <p:spPr/>
-        <p:txBody>
-          <a:bodyPr/>
-          <a:lstStyle/>
-          <a:p>
-            <a:r>
-              <a:rPr lang="de-CH" dirty="0"/>
-              <a:t>Class </a:t>
-            </a:r>
-            <a:r>
-              <a:rPr lang="de-CH"/>
-              <a:t>model</a:t>
-            </a:r>
-          </a:p>
-        </p:txBody>
-      </p:sp>
-    </p:spTree>
-    <p:extLst>
-      <p:ext uri="{BB962C8B-B14F-4D97-AF65-F5344CB8AC3E}">
-        <p14:creationId xmlns:p14="http://schemas.microsoft.com/office/powerpoint/2010/main" val="1679188202"/>
-      </p:ext>
-    </p:extLst>
-  </p:cSld>
-  <p:clrMapOvr>
-    <a:masterClrMapping/>
-  </p:clrMapOvr>
+  <p:timing>
+    <p:tnLst>
+      <p:par>
+        <p:cTn id="1" dur="indefinite" restart="never" nodeType="tmRoot"/>
+      </p:par>
+    </p:tnLst>
+  </p:timing>
 </p:sld>
 </file>
 
@@ -7095,6 +7169,13 @@
   <p:clrMapOvr>
     <a:masterClrMapping/>
   </p:clrMapOvr>
+  <p:timing>
+    <p:tnLst>
+      <p:par>
+        <p:cTn id="1" dur="indefinite" restart="never" nodeType="tmRoot"/>
+      </p:par>
+    </p:tnLst>
+  </p:timing>
 </p:sld>
 </file>
 
@@ -7929,6 +8010,14 @@
 </file>
 
 <file path=customXml/item1.xml><?xml version="1.0" encoding="utf-8"?>
+<p:properties xmlns:p="http://schemas.microsoft.com/office/2006/metadata/properties" xmlns:xsi="http://www.w3.org/2001/XMLSchema-instance">
+  <documentManagement>
+    <AVMTitle xmlns="5091c847-84be-4f4f-b16c-c018ad2ca66b">Präsentation BFH_2013</AVMTitle>
+  </documentManagement>
+</p:properties>
+</file>
+
+<file path=customXml/item2.xml><?xml version="1.0" encoding="utf-8"?>
 <ct:contentTypeSchema xmlns:ct="http://schemas.microsoft.com/office/2006/metadata/contentType" xmlns:ma="http://schemas.microsoft.com/office/2006/metadata/properties/metaAttributes" ct:_="" ma:_="" ma:contentTypeName="Dokument" ma:contentTypeID="0x010100EBE3A9EFF36793468C03E2811ACE2A2B" ma:contentTypeVersion="1" ma:contentTypeDescription="Ein neues Dokument erstellen." ma:contentTypeScope="" ma:versionID="e65be32cb1bfff77fc8c9c09bf542651">
   <xsd:schema xmlns:xsd="http://www.w3.org/2001/XMLSchema" xmlns:p="http://schemas.microsoft.com/office/2006/metadata/properties" xmlns:ns2="5091c847-84be-4f4f-b16c-c018ad2ca66b" targetNamespace="http://schemas.microsoft.com/office/2006/metadata/properties" ma:root="true" ma:fieldsID="7636c84aed5b7d09a166fcef888725d4" ns2:_="">
     <xsd:import namespace="5091c847-84be-4f4f-b16c-c018ad2ca66b"/>
@@ -7988,14 +8077,6 @@
 </ct:contentTypeSchema>
 </file>
 
-<file path=customXml/item2.xml><?xml version="1.0" encoding="utf-8"?>
-<p:properties xmlns:p="http://schemas.microsoft.com/office/2006/metadata/properties" xmlns:xsi="http://www.w3.org/2001/XMLSchema-instance">
-  <documentManagement>
-    <AVMTitle xmlns="5091c847-84be-4f4f-b16c-c018ad2ca66b">Präsentation BFH_2013</AVMTitle>
-  </documentManagement>
-</p:properties>
-</file>
-
 <file path=customXml/item3.xml><?xml version="1.0" encoding="utf-8"?>
 <?mso-contentType ?>
 <FormTemplates xmlns="http://schemas.microsoft.com/sharepoint/v3/contenttype/forms">
@@ -8006,6 +8087,21 @@
 </file>
 
 <file path=customXml/itemProps1.xml><?xml version="1.0" encoding="utf-8"?>
+<ds:datastoreItem xmlns:ds="http://schemas.openxmlformats.org/officeDocument/2006/customXml" ds:itemID="{32991507-CB83-4F49-BAFB-D322B1D04098}">
+  <ds:schemaRefs>
+    <ds:schemaRef ds:uri="http://purl.org/dc/terms/"/>
+    <ds:schemaRef ds:uri="http://purl.org/dc/elements/1.1/"/>
+    <ds:schemaRef ds:uri="http://www.w3.org/XML/1998/namespace"/>
+    <ds:schemaRef ds:uri="http://schemas.microsoft.com/office/2006/documentManagement/types"/>
+    <ds:schemaRef ds:uri="http://schemas.openxmlformats.org/package/2006/metadata/core-properties"/>
+    <ds:schemaRef ds:uri="5091c847-84be-4f4f-b16c-c018ad2ca66b"/>
+    <ds:schemaRef ds:uri="http://schemas.microsoft.com/office/2006/metadata/properties"/>
+    <ds:schemaRef ds:uri="http://purl.org/dc/dcmitype/"/>
+  </ds:schemaRefs>
+</ds:datastoreItem>
+</file>
+
+<file path=customXml/itemProps2.xml><?xml version="1.0" encoding="utf-8"?>
 <ds:datastoreItem xmlns:ds="http://schemas.openxmlformats.org/officeDocument/2006/customXml" ds:itemID="{15287BEA-F3FF-4B87-929B-5D0092183197}">
   <ds:schemaRefs>
     <ds:schemaRef ds:uri="http://schemas.microsoft.com/office/2006/metadata/contentType"/>
@@ -8022,21 +8118,6 @@
 </ds:datastoreItem>
 </file>
 
-<file path=customXml/itemProps2.xml><?xml version="1.0" encoding="utf-8"?>
-<ds:datastoreItem xmlns:ds="http://schemas.openxmlformats.org/officeDocument/2006/customXml" ds:itemID="{32991507-CB83-4F49-BAFB-D322B1D04098}">
-  <ds:schemaRefs>
-    <ds:schemaRef ds:uri="http://purl.org/dc/terms/"/>
-    <ds:schemaRef ds:uri="http://purl.org/dc/elements/1.1/"/>
-    <ds:schemaRef ds:uri="http://www.w3.org/XML/1998/namespace"/>
-    <ds:schemaRef ds:uri="http://schemas.microsoft.com/office/2006/documentManagement/types"/>
-    <ds:schemaRef ds:uri="http://schemas.openxmlformats.org/package/2006/metadata/core-properties"/>
-    <ds:schemaRef ds:uri="5091c847-84be-4f4f-b16c-c018ad2ca66b"/>
-    <ds:schemaRef ds:uri="http://schemas.microsoft.com/office/2006/metadata/properties"/>
-    <ds:schemaRef ds:uri="http://purl.org/dc/dcmitype/"/>
-  </ds:schemaRefs>
-</ds:datastoreItem>
-</file>
-
 <file path=customXml/itemProps3.xml><?xml version="1.0" encoding="utf-8"?>
 <ds:datastoreItem xmlns:ds="http://schemas.openxmlformats.org/officeDocument/2006/customXml" ds:itemID="{1851D33F-E468-417B-A30C-509B68D2BD09}">
   <ds:schemaRefs>
